--- a/note.pptx
+++ b/note.pptx
@@ -5,7 +5,7 @@
     <p:sldMasterId id="2147483659" r:id="rId1"/>
   </p:sldMasterIdLst>
   <p:notesMasterIdLst>
-    <p:notesMasterId r:id="rId8"/>
+    <p:notesMasterId r:id="rId11"/>
   </p:notesMasterIdLst>
   <p:sldIdLst>
     <p:sldId id="256" r:id="rId2"/>
@@ -13,7 +13,10 @@
     <p:sldId id="279" r:id="rId4"/>
     <p:sldId id="276" r:id="rId5"/>
     <p:sldId id="280" r:id="rId6"/>
-    <p:sldId id="281" r:id="rId7"/>
+    <p:sldId id="282" r:id="rId7"/>
+    <p:sldId id="283" r:id="rId8"/>
+    <p:sldId id="284" r:id="rId9"/>
+    <p:sldId id="281" r:id="rId10"/>
   </p:sldIdLst>
   <p:sldSz cx="9144000" cy="5143500" type="screen16x9"/>
   <p:notesSz cx="6858000" cy="9144000"/>
@@ -6516,6 +6519,359 @@
       </p:grpSpPr>
       <p:sp>
         <p:nvSpPr>
+          <p:cNvPr id="2" name="Title 1">
+            <a:extLst>
+              <a:ext uri="{FF2B5EF4-FFF2-40B4-BE49-F238E27FC236}">
+                <a16:creationId xmlns:a16="http://schemas.microsoft.com/office/drawing/2014/main" id="{820586F9-90EF-94A4-DFC6-9A608DE488CA}"/>
+              </a:ext>
+            </a:extLst>
+          </p:cNvPr>
+          <p:cNvSpPr>
+            <a:spLocks noGrp="1"/>
+          </p:cNvSpPr>
+          <p:nvPr>
+            <p:ph type="title"/>
+          </p:nvPr>
+        </p:nvSpPr>
+        <p:spPr/>
+        <p:txBody>
+          <a:bodyPr>
+            <a:normAutofit fontScale="90000"/>
+          </a:bodyPr>
+          <a:lstStyle/>
+          <a:p>
+            <a:r>
+              <a:rPr lang="en-US"/>
+              <a:t>USB CDC test speed</a:t>
+            </a:r>
+          </a:p>
+        </p:txBody>
+      </p:sp>
+      <p:pic>
+        <p:nvPicPr>
+          <p:cNvPr id="4" name="Picture 3">
+            <a:extLst>
+              <a:ext uri="{FF2B5EF4-FFF2-40B4-BE49-F238E27FC236}">
+                <a16:creationId xmlns:a16="http://schemas.microsoft.com/office/drawing/2014/main" id="{BC8028B3-6C1D-8979-FE06-57149141AF44}"/>
+              </a:ext>
+            </a:extLst>
+          </p:cNvPr>
+          <p:cNvPicPr>
+            <a:picLocks noChangeAspect="1"/>
+          </p:cNvPicPr>
+          <p:nvPr/>
+        </p:nvPicPr>
+        <p:blipFill>
+          <a:blip r:embed="rId2"/>
+          <a:stretch>
+            <a:fillRect/>
+          </a:stretch>
+        </p:blipFill>
+        <p:spPr>
+          <a:xfrm>
+            <a:off x="1045202" y="1248123"/>
+            <a:ext cx="5689320" cy="3314420"/>
+          </a:xfrm>
+          <a:prstGeom prst="rect">
+            <a:avLst/>
+          </a:prstGeom>
+        </p:spPr>
+      </p:pic>
+    </p:spTree>
+    <p:extLst>
+      <p:ext uri="{BB962C8B-B14F-4D97-AF65-F5344CB8AC3E}">
+        <p14:creationId xmlns:p14="http://schemas.microsoft.com/office/powerpoint/2010/main" val="1330733976"/>
+      </p:ext>
+    </p:extLst>
+  </p:cSld>
+  <p:clrMapOvr>
+    <a:masterClrMapping/>
+  </p:clrMapOvr>
+</p:sld>
+</file>
+
+<file path=ppt/slides/slide7.xml><?xml version="1.0" encoding="utf-8"?>
+<p:sld xmlns:a="http://schemas.openxmlformats.org/drawingml/2006/main" xmlns:r="http://schemas.openxmlformats.org/officeDocument/2006/relationships" xmlns:p="http://schemas.openxmlformats.org/presentationml/2006/main">
+  <p:cSld>
+    <p:spTree>
+      <p:nvGrpSpPr>
+        <p:cNvPr id="1" name=""/>
+        <p:cNvGrpSpPr/>
+        <p:nvPr/>
+      </p:nvGrpSpPr>
+      <p:grpSpPr>
+        <a:xfrm>
+          <a:off x="0" y="0"/>
+          <a:ext cx="0" cy="0"/>
+          <a:chOff x="0" y="0"/>
+          <a:chExt cx="0" cy="0"/>
+        </a:xfrm>
+      </p:grpSpPr>
+      <p:sp>
+        <p:nvSpPr>
+          <p:cNvPr id="2" name="Title 1">
+            <a:extLst>
+              <a:ext uri="{FF2B5EF4-FFF2-40B4-BE49-F238E27FC236}">
+                <a16:creationId xmlns:a16="http://schemas.microsoft.com/office/drawing/2014/main" id="{820586F9-90EF-94A4-DFC6-9A608DE488CA}"/>
+              </a:ext>
+            </a:extLst>
+          </p:cNvPr>
+          <p:cNvSpPr>
+            <a:spLocks noGrp="1"/>
+          </p:cNvSpPr>
+          <p:nvPr>
+            <p:ph type="title"/>
+          </p:nvPr>
+        </p:nvSpPr>
+        <p:spPr/>
+        <p:txBody>
+          <a:bodyPr>
+            <a:normAutofit fontScale="90000"/>
+          </a:bodyPr>
+          <a:lstStyle/>
+          <a:p>
+            <a:r>
+              <a:rPr lang="en-US"/>
+              <a:t>USB CDC test speed</a:t>
+            </a:r>
+          </a:p>
+        </p:txBody>
+      </p:sp>
+      <p:pic>
+        <p:nvPicPr>
+          <p:cNvPr id="5" name="Picture 4">
+            <a:extLst>
+              <a:ext uri="{FF2B5EF4-FFF2-40B4-BE49-F238E27FC236}">
+                <a16:creationId xmlns:a16="http://schemas.microsoft.com/office/drawing/2014/main" id="{28E05C74-F425-38C7-996B-F12DD5DEAF33}"/>
+              </a:ext>
+            </a:extLst>
+          </p:cNvPr>
+          <p:cNvPicPr>
+            <a:picLocks noChangeAspect="1"/>
+          </p:cNvPicPr>
+          <p:nvPr/>
+        </p:nvPicPr>
+        <p:blipFill>
+          <a:blip r:embed="rId2"/>
+          <a:stretch>
+            <a:fillRect/>
+          </a:stretch>
+        </p:blipFill>
+        <p:spPr>
+          <a:xfrm>
+            <a:off x="388700" y="2022313"/>
+            <a:ext cx="5656356" cy="834018"/>
+          </a:xfrm>
+          <a:prstGeom prst="rect">
+            <a:avLst/>
+          </a:prstGeom>
+        </p:spPr>
+      </p:pic>
+      <p:sp>
+        <p:nvSpPr>
+          <p:cNvPr id="6" name="TextBox 5">
+            <a:extLst>
+              <a:ext uri="{FF2B5EF4-FFF2-40B4-BE49-F238E27FC236}">
+                <a16:creationId xmlns:a16="http://schemas.microsoft.com/office/drawing/2014/main" id="{644ED6BA-EC18-8011-47E2-F809735297F3}"/>
+              </a:ext>
+            </a:extLst>
+          </p:cNvPr>
+          <p:cNvSpPr txBox="1"/>
+          <p:nvPr/>
+        </p:nvSpPr>
+        <p:spPr>
+          <a:xfrm>
+            <a:off x="311700" y="1278615"/>
+            <a:ext cx="2823294" cy="523220"/>
+          </a:xfrm>
+          <a:prstGeom prst="rect">
+            <a:avLst/>
+          </a:prstGeom>
+          <a:noFill/>
+        </p:spPr>
+        <p:txBody>
+          <a:bodyPr wrap="square" rtlCol="0">
+            <a:spAutoFit/>
+          </a:bodyPr>
+          <a:lstStyle/>
+          <a:p>
+            <a:r>
+              <a:rPr lang="en-US" b="1"/>
+              <a:t>Method test</a:t>
+            </a:r>
+          </a:p>
+          <a:p>
+            <a:r>
+              <a:rPr lang="en-US"/>
+              <a:t>Copy “Japanese – copy.txt” file</a:t>
+            </a:r>
+          </a:p>
+        </p:txBody>
+      </p:sp>
+      <p:sp>
+        <p:nvSpPr>
+          <p:cNvPr id="4" name="TextBox 3">
+            <a:extLst>
+              <a:ext uri="{FF2B5EF4-FFF2-40B4-BE49-F238E27FC236}">
+                <a16:creationId xmlns:a16="http://schemas.microsoft.com/office/drawing/2014/main" id="{AAB38C03-B851-07CE-EA19-C47DA311AC32}"/>
+              </a:ext>
+            </a:extLst>
+          </p:cNvPr>
+          <p:cNvSpPr txBox="1"/>
+          <p:nvPr/>
+        </p:nvSpPr>
+        <p:spPr>
+          <a:xfrm>
+            <a:off x="388700" y="3275767"/>
+            <a:ext cx="2489571" cy="738664"/>
+          </a:xfrm>
+          <a:prstGeom prst="rect">
+            <a:avLst/>
+          </a:prstGeom>
+          <a:noFill/>
+        </p:spPr>
+        <p:txBody>
+          <a:bodyPr wrap="square" rtlCol="0">
+            <a:spAutoFit/>
+          </a:bodyPr>
+          <a:lstStyle/>
+          <a:p>
+            <a:r>
+              <a:rPr lang="en-US" b="1"/>
+              <a:t>Result</a:t>
+            </a:r>
+          </a:p>
+          <a:p>
+            <a:r>
+              <a:rPr lang="en-US"/>
+              <a:t>Speed result: ~ 0.7 Mbps</a:t>
+            </a:r>
+          </a:p>
+          <a:p>
+            <a:endParaRPr lang="en-US"/>
+          </a:p>
+        </p:txBody>
+      </p:sp>
+    </p:spTree>
+    <p:extLst>
+      <p:ext uri="{BB962C8B-B14F-4D97-AF65-F5344CB8AC3E}">
+        <p14:creationId xmlns:p14="http://schemas.microsoft.com/office/powerpoint/2010/main" val="15302785"/>
+      </p:ext>
+    </p:extLst>
+  </p:cSld>
+  <p:clrMapOvr>
+    <a:masterClrMapping/>
+  </p:clrMapOvr>
+</p:sld>
+</file>
+
+<file path=ppt/slides/slide8.xml><?xml version="1.0" encoding="utf-8"?>
+<p:sld xmlns:a="http://schemas.openxmlformats.org/drawingml/2006/main" xmlns:r="http://schemas.openxmlformats.org/officeDocument/2006/relationships" xmlns:p="http://schemas.openxmlformats.org/presentationml/2006/main">
+  <p:cSld>
+    <p:spTree>
+      <p:nvGrpSpPr>
+        <p:cNvPr id="1" name=""/>
+        <p:cNvGrpSpPr/>
+        <p:nvPr/>
+      </p:nvGrpSpPr>
+      <p:grpSpPr>
+        <a:xfrm>
+          <a:off x="0" y="0"/>
+          <a:ext cx="0" cy="0"/>
+          <a:chOff x="0" y="0"/>
+          <a:chExt cx="0" cy="0"/>
+        </a:xfrm>
+      </p:grpSpPr>
+      <p:sp>
+        <p:nvSpPr>
+          <p:cNvPr id="2" name="Title 1">
+            <a:extLst>
+              <a:ext uri="{FF2B5EF4-FFF2-40B4-BE49-F238E27FC236}">
+                <a16:creationId xmlns:a16="http://schemas.microsoft.com/office/drawing/2014/main" id="{0240161C-3F92-D5F1-904B-40237137FFAF}"/>
+              </a:ext>
+            </a:extLst>
+          </p:cNvPr>
+          <p:cNvSpPr>
+            <a:spLocks noGrp="1"/>
+          </p:cNvSpPr>
+          <p:nvPr>
+            <p:ph type="title"/>
+          </p:nvPr>
+        </p:nvSpPr>
+        <p:spPr/>
+        <p:txBody>
+          <a:bodyPr>
+            <a:normAutofit fontScale="90000"/>
+          </a:bodyPr>
+          <a:lstStyle/>
+          <a:p>
+            <a:r>
+              <a:rPr lang="en-US"/>
+              <a:t>Q and A</a:t>
+            </a:r>
+          </a:p>
+        </p:txBody>
+      </p:sp>
+      <p:sp>
+        <p:nvSpPr>
+          <p:cNvPr id="3" name="Text Placeholder 2">
+            <a:extLst>
+              <a:ext uri="{FF2B5EF4-FFF2-40B4-BE49-F238E27FC236}">
+                <a16:creationId xmlns:a16="http://schemas.microsoft.com/office/drawing/2014/main" id="{B4B2DFA1-CC0F-4AA2-E49D-CA028CCE3F79}"/>
+              </a:ext>
+            </a:extLst>
+          </p:cNvPr>
+          <p:cNvSpPr>
+            <a:spLocks noGrp="1"/>
+          </p:cNvSpPr>
+          <p:nvPr>
+            <p:ph type="body" idx="1"/>
+          </p:nvPr>
+        </p:nvSpPr>
+        <p:spPr/>
+        <p:txBody>
+          <a:bodyPr/>
+          <a:lstStyle/>
+          <a:p>
+            <a:r>
+              <a:rPr lang="en-US"/>
+              <a:t>How to extent 2 device?</a:t>
+            </a:r>
+          </a:p>
+        </p:txBody>
+      </p:sp>
+    </p:spTree>
+    <p:extLst>
+      <p:ext uri="{BB962C8B-B14F-4D97-AF65-F5344CB8AC3E}">
+        <p14:creationId xmlns:p14="http://schemas.microsoft.com/office/powerpoint/2010/main" val="3489378114"/>
+      </p:ext>
+    </p:extLst>
+  </p:cSld>
+  <p:clrMapOvr>
+    <a:masterClrMapping/>
+  </p:clrMapOvr>
+</p:sld>
+</file>
+
+<file path=ppt/slides/slide9.xml><?xml version="1.0" encoding="utf-8"?>
+<p:sld xmlns:a="http://schemas.openxmlformats.org/drawingml/2006/main" xmlns:r="http://schemas.openxmlformats.org/officeDocument/2006/relationships" xmlns:p="http://schemas.openxmlformats.org/presentationml/2006/main">
+  <p:cSld>
+    <p:spTree>
+      <p:nvGrpSpPr>
+        <p:cNvPr id="1" name=""/>
+        <p:cNvGrpSpPr/>
+        <p:nvPr/>
+      </p:nvGrpSpPr>
+      <p:grpSpPr>
+        <a:xfrm>
+          <a:off x="0" y="0"/>
+          <a:ext cx="0" cy="0"/>
+          <a:chOff x="0" y="0"/>
+          <a:chExt cx="0" cy="0"/>
+        </a:xfrm>
+      </p:grpSpPr>
+      <p:sp>
+        <p:nvSpPr>
           <p:cNvPr id="3" name="Title 2">
             <a:extLst>
               <a:ext uri="{FF2B5EF4-FFF2-40B4-BE49-F238E27FC236}">
